--- a/DSP/Ditte-Powerpoints/dspExamQ10.pptx
+++ b/DSP/Ditte-Powerpoints/dspExamQ10.pptx
@@ -5,7 +5,7 @@
     <p:sldMasterId id="2147483648" r:id="rId1"/>
   </p:sldMasterIdLst>
   <p:notesMasterIdLst>
-    <p:notesMasterId r:id="rId18"/>
+    <p:notesMasterId r:id="rId19"/>
   </p:notesMasterIdLst>
   <p:sldIdLst>
     <p:sldId id="256" r:id="rId2"/>
@@ -19,11 +19,12 @@
     <p:sldId id="265" r:id="rId10"/>
     <p:sldId id="266" r:id="rId11"/>
     <p:sldId id="267" r:id="rId12"/>
-    <p:sldId id="270" r:id="rId13"/>
-    <p:sldId id="271" r:id="rId14"/>
-    <p:sldId id="272" r:id="rId15"/>
-    <p:sldId id="274" r:id="rId16"/>
-    <p:sldId id="275" r:id="rId17"/>
+    <p:sldId id="275" r:id="rId13"/>
+    <p:sldId id="270" r:id="rId14"/>
+    <p:sldId id="271" r:id="rId15"/>
+    <p:sldId id="272" r:id="rId16"/>
+    <p:sldId id="274" r:id="rId17"/>
+    <p:sldId id="276" r:id="rId18"/>
   </p:sldIdLst>
   <p:sldSz cx="12192000" cy="6858000"/>
   <p:notesSz cx="6858000" cy="9144000"/>
@@ -687,7 +688,7 @@
           <a:p>
             <a:fld id="{237DF243-990D-452E-B2F0-0A24C40DD102}" type="datetimeFigureOut">
               <a:rPr lang="en-US" smtClean="0"/>
-              <a:t>1/14/2025</a:t>
+              <a:t>1/15/2025</a:t>
             </a:fld>
             <a:endParaRPr lang="en-US"/>
           </a:p>
@@ -1101,7 +1102,7 @@
           <a:p>
             <a:fld id="{9CB904D7-2B70-4964-9B23-4E5B349F082D}" type="datetimeFigureOut">
               <a:rPr lang="en-US" smtClean="0"/>
-              <a:t>1/14/2025</a:t>
+              <a:t>1/15/2025</a:t>
             </a:fld>
             <a:endParaRPr lang="en-US"/>
           </a:p>
@@ -1306,7 +1307,7 @@
           <a:p>
             <a:fld id="{9CB904D7-2B70-4964-9B23-4E5B349F082D}" type="datetimeFigureOut">
               <a:rPr lang="en-US" smtClean="0"/>
-              <a:t>1/14/2025</a:t>
+              <a:t>1/15/2025</a:t>
             </a:fld>
             <a:endParaRPr lang="en-US"/>
           </a:p>
@@ -1581,7 +1582,7 @@
           <a:p>
             <a:fld id="{9CB904D7-2B70-4964-9B23-4E5B349F082D}" type="datetimeFigureOut">
               <a:rPr lang="en-US" smtClean="0"/>
-              <a:t>1/14/2025</a:t>
+              <a:t>1/15/2025</a:t>
             </a:fld>
             <a:endParaRPr lang="en-US"/>
           </a:p>
@@ -1846,7 +1847,7 @@
           <a:p>
             <a:fld id="{9CB904D7-2B70-4964-9B23-4E5B349F082D}" type="datetimeFigureOut">
               <a:rPr lang="en-US" smtClean="0"/>
-              <a:t>1/14/2025</a:t>
+              <a:t>1/15/2025</a:t>
             </a:fld>
             <a:endParaRPr lang="en-US"/>
           </a:p>
@@ -2258,7 +2259,7 @@
           <a:p>
             <a:fld id="{9CB904D7-2B70-4964-9B23-4E5B349F082D}" type="datetimeFigureOut">
               <a:rPr lang="en-US" smtClean="0"/>
-              <a:t>1/14/2025</a:t>
+              <a:t>1/15/2025</a:t>
             </a:fld>
             <a:endParaRPr lang="en-US"/>
           </a:p>
@@ -2399,7 +2400,7 @@
           <a:p>
             <a:fld id="{9CB904D7-2B70-4964-9B23-4E5B349F082D}" type="datetimeFigureOut">
               <a:rPr lang="en-US" smtClean="0"/>
-              <a:t>1/14/2025</a:t>
+              <a:t>1/15/2025</a:t>
             </a:fld>
             <a:endParaRPr lang="en-US"/>
           </a:p>
@@ -2512,7 +2513,7 @@
           <a:p>
             <a:fld id="{9CB904D7-2B70-4964-9B23-4E5B349F082D}" type="datetimeFigureOut">
               <a:rPr lang="en-US" smtClean="0"/>
-              <a:t>1/14/2025</a:t>
+              <a:t>1/15/2025</a:t>
             </a:fld>
             <a:endParaRPr lang="en-US"/>
           </a:p>
@@ -2753,7 +2754,7 @@
           <a:p>
             <a:fld id="{9CB904D7-2B70-4964-9B23-4E5B349F082D}" type="datetimeFigureOut">
               <a:rPr lang="en-US" smtClean="0"/>
-              <a:t>1/14/2025</a:t>
+              <a:t>1/15/2025</a:t>
             </a:fld>
             <a:endParaRPr lang="en-US"/>
           </a:p>
@@ -3783,6 +3784,66 @@
       </p:grpSpPr>
       <p:pic>
         <p:nvPicPr>
+          <p:cNvPr id="5" name="Picture 4">
+            <a:extLst>
+              <a:ext uri="{FF2B5EF4-FFF2-40B4-BE49-F238E27FC236}">
+                <a16:creationId xmlns:a16="http://schemas.microsoft.com/office/drawing/2014/main" id="{434F337B-202C-3A60-BB75-930A0DC60AD2}"/>
+              </a:ext>
+            </a:extLst>
+          </p:cNvPr>
+          <p:cNvPicPr>
+            <a:picLocks noChangeAspect="1"/>
+          </p:cNvPicPr>
+          <p:nvPr/>
+        </p:nvPicPr>
+        <p:blipFill>
+          <a:blip r:embed="rId2"/>
+          <a:stretch>
+            <a:fillRect/>
+          </a:stretch>
+        </p:blipFill>
+        <p:spPr>
+          <a:xfrm>
+            <a:off x="0" y="758497"/>
+            <a:ext cx="12192000" cy="5341006"/>
+          </a:xfrm>
+          <a:prstGeom prst="rect">
+            <a:avLst/>
+          </a:prstGeom>
+        </p:spPr>
+      </p:pic>
+    </p:spTree>
+    <p:extLst>
+      <p:ext uri="{BB962C8B-B14F-4D97-AF65-F5344CB8AC3E}">
+        <p14:creationId xmlns:p14="http://schemas.microsoft.com/office/powerpoint/2010/main" val="2364241072"/>
+      </p:ext>
+    </p:extLst>
+  </p:cSld>
+  <p:clrMapOvr>
+    <a:masterClrMapping/>
+  </p:clrMapOvr>
+</p:sld>
+</file>
+
+<file path=ppt/slides/slide13.xml><?xml version="1.0" encoding="utf-8"?>
+<p:sld xmlns:a="http://schemas.openxmlformats.org/drawingml/2006/main" xmlns:r="http://schemas.openxmlformats.org/officeDocument/2006/relationships" xmlns:p="http://schemas.openxmlformats.org/presentationml/2006/main">
+  <p:cSld>
+    <p:spTree>
+      <p:nvGrpSpPr>
+        <p:cNvPr id="1" name=""/>
+        <p:cNvGrpSpPr/>
+        <p:nvPr/>
+      </p:nvGrpSpPr>
+      <p:grpSpPr>
+        <a:xfrm>
+          <a:off x="0" y="0"/>
+          <a:ext cx="0" cy="0"/>
+          <a:chOff x="0" y="0"/>
+          <a:chExt cx="0" cy="0"/>
+        </a:xfrm>
+      </p:grpSpPr>
+      <p:pic>
+        <p:nvPicPr>
           <p:cNvPr id="3" name="Picture 2">
             <a:extLst>
               <a:ext uri="{FF2B5EF4-FFF2-40B4-BE49-F238E27FC236}">
@@ -3824,7 +3885,7 @@
 </p:sld>
 </file>
 
-<file path=ppt/slides/slide13.xml><?xml version="1.0" encoding="utf-8"?>
+<file path=ppt/slides/slide14.xml><?xml version="1.0" encoding="utf-8"?>
 <p:sld xmlns:a="http://schemas.openxmlformats.org/drawingml/2006/main" xmlns:r="http://schemas.openxmlformats.org/officeDocument/2006/relationships" xmlns:p="http://schemas.openxmlformats.org/presentationml/2006/main">
   <p:cSld>
     <p:spTree>
@@ -3884,7 +3945,7 @@
 </p:sld>
 </file>
 
-<file path=ppt/slides/slide14.xml><?xml version="1.0" encoding="utf-8"?>
+<file path=ppt/slides/slide15.xml><?xml version="1.0" encoding="utf-8"?>
 <p:sld xmlns:a="http://schemas.openxmlformats.org/drawingml/2006/main" xmlns:r="http://schemas.openxmlformats.org/officeDocument/2006/relationships" xmlns:p="http://schemas.openxmlformats.org/presentationml/2006/main">
   <p:cSld>
     <p:spTree>
@@ -3944,7 +4005,7 @@
 </p:sld>
 </file>
 
-<file path=ppt/slides/slide15.xml><?xml version="1.0" encoding="utf-8"?>
+<file path=ppt/slides/slide16.xml><?xml version="1.0" encoding="utf-8"?>
 <p:sld xmlns:a="http://schemas.openxmlformats.org/drawingml/2006/main" xmlns:r="http://schemas.openxmlformats.org/officeDocument/2006/relationships" xmlns:p="http://schemas.openxmlformats.org/presentationml/2006/main">
   <p:cSld>
     <p:spTree>
@@ -4004,12 +4065,18 @@
 </p:sld>
 </file>
 
-<file path=ppt/slides/slide16.xml><?xml version="1.0" encoding="utf-8"?>
+<file path=ppt/slides/slide17.xml><?xml version="1.0" encoding="utf-8"?>
 <p:sld xmlns:a="http://schemas.openxmlformats.org/drawingml/2006/main" xmlns:r="http://schemas.openxmlformats.org/officeDocument/2006/relationships" xmlns:p="http://schemas.openxmlformats.org/presentationml/2006/main">
   <p:cSld>
     <p:spTree>
       <p:nvGrpSpPr>
-        <p:cNvPr id="1" name=""/>
+        <p:cNvPr id="1" name="">
+          <a:extLst>
+            <a:ext uri="{FF2B5EF4-FFF2-40B4-BE49-F238E27FC236}">
+              <a16:creationId xmlns:a16="http://schemas.microsoft.com/office/drawing/2014/main" id="{B9F3D2E9-E94E-5F2D-6383-211C7E29CC45}"/>
+            </a:ext>
+          </a:extLst>
+        </p:cNvPr>
         <p:cNvGrpSpPr/>
         <p:nvPr/>
       </p:nvGrpSpPr>
@@ -4026,7 +4093,7 @@
           <p:cNvPr id="5" name="Picture 4">
             <a:extLst>
               <a:ext uri="{FF2B5EF4-FFF2-40B4-BE49-F238E27FC236}">
-                <a16:creationId xmlns:a16="http://schemas.microsoft.com/office/drawing/2014/main" id="{434F337B-202C-3A60-BB75-930A0DC60AD2}"/>
+                <a16:creationId xmlns:a16="http://schemas.microsoft.com/office/drawing/2014/main" id="{68550B1F-F1E1-B288-32D1-9D59A1159E3E}"/>
               </a:ext>
             </a:extLst>
           </p:cNvPr>
@@ -4054,7 +4121,7 @@
     </p:spTree>
     <p:extLst>
       <p:ext uri="{BB962C8B-B14F-4D97-AF65-F5344CB8AC3E}">
-        <p14:creationId xmlns:p14="http://schemas.microsoft.com/office/powerpoint/2010/main" val="2364241072"/>
+        <p14:creationId xmlns:p14="http://schemas.microsoft.com/office/powerpoint/2010/main" val="3117810048"/>
       </p:ext>
     </p:extLst>
   </p:cSld>

--- a/DSP/Ditte-Powerpoints/dspExamQ10.pptx
+++ b/DSP/Ditte-Powerpoints/dspExamQ10.pptx
@@ -134,7 +134,7 @@
 <file path=ppt/revisionInfo.xml><?xml version="1.0" encoding="utf-8"?>
 <p1510:revInfo xmlns:a="http://schemas.openxmlformats.org/drawingml/2006/main" xmlns:r="http://schemas.openxmlformats.org/officeDocument/2006/relationships" xmlns:p1510="http://schemas.microsoft.com/office/powerpoint/2015/10/main">
   <p1510:revLst>
-    <p1510:client id="{786E66F0-EBA6-40DE-B183-3DE1F2CF67DE}" v="14" dt="2024-12-29T08:25:02.423"/>
+    <p1510:client id="{2C8AF8D0-F967-43F4-B104-EE21E9F96B55}" v="3" dt="2025-01-15T15:24:32.302"/>
   </p1510:revLst>
 </p1510:revInfo>
 </file>
@@ -603,6 +603,38 @@
       </pc:sldChg>
     </pc:docChg>
   </pc:docChgLst>
+  <pc:docChgLst>
+    <pc:chgData name="Ditte Filskov Theilgaard" userId="150196ba-3d64-4ece-aa51-395739ba31e6" providerId="ADAL" clId="{2C8AF8D0-F967-43F4-B104-EE21E9F96B55}"/>
+    <pc:docChg chg="undo custSel modSld">
+      <pc:chgData name="Ditte Filskov Theilgaard" userId="150196ba-3d64-4ece-aa51-395739ba31e6" providerId="ADAL" clId="{2C8AF8D0-F967-43F4-B104-EE21E9F96B55}" dt="2025-01-15T15:24:32.968" v="8"/>
+      <pc:docMkLst>
+        <pc:docMk/>
+      </pc:docMkLst>
+      <pc:sldChg chg="addSp delSp modSp mod">
+        <pc:chgData name="Ditte Filskov Theilgaard" userId="150196ba-3d64-4ece-aa51-395739ba31e6" providerId="ADAL" clId="{2C8AF8D0-F967-43F4-B104-EE21E9F96B55}" dt="2025-01-15T15:24:32.968" v="8"/>
+        <pc:sldMkLst>
+          <pc:docMk/>
+          <pc:sldMk cId="4027991178" sldId="257"/>
+        </pc:sldMkLst>
+        <pc:spChg chg="add del mod">
+          <ac:chgData name="Ditte Filskov Theilgaard" userId="150196ba-3d64-4ece-aa51-395739ba31e6" providerId="ADAL" clId="{2C8AF8D0-F967-43F4-B104-EE21E9F96B55}" dt="2025-01-15T15:24:32.968" v="8"/>
+          <ac:spMkLst>
+            <pc:docMk/>
+            <pc:sldMk cId="4027991178" sldId="257"/>
+            <ac:spMk id="6" creationId="{ABA5ECAB-5C95-4588-577F-6D35A5BFEDA7}"/>
+          </ac:spMkLst>
+        </pc:spChg>
+        <pc:picChg chg="add mod">
+          <ac:chgData name="Ditte Filskov Theilgaard" userId="150196ba-3d64-4ece-aa51-395739ba31e6" providerId="ADAL" clId="{2C8AF8D0-F967-43F4-B104-EE21E9F96B55}" dt="2025-01-15T15:24:24.715" v="6" actId="1076"/>
+          <ac:picMkLst>
+            <pc:docMk/>
+            <pc:sldMk cId="4027991178" sldId="257"/>
+            <ac:picMk id="5" creationId="{AFF061BE-38F2-E119-C541-2EEB5809C688}"/>
+          </ac:picMkLst>
+        </pc:picChg>
+      </pc:sldChg>
+    </pc:docChg>
+  </pc:docChgLst>
 </pc:chgInfo>
 </file>
 
@@ -1100,7 +1132,7 @@
           <a:bodyPr/>
           <a:lstStyle/>
           <a:p>
-            <a:fld id="{9CB904D7-2B70-4964-9B23-4E5B349F082D}" type="datetimeFigureOut">
+            <a:fld id="{256F9D0E-5BB8-4CC0-AA0D-7B1123E02548}" type="datetime1">
               <a:rPr lang="en-US" smtClean="0"/>
               <a:t>1/15/2025</a:t>
             </a:fld>
@@ -1305,7 +1337,7 @@
           <a:bodyPr/>
           <a:lstStyle/>
           <a:p>
-            <a:fld id="{9CB904D7-2B70-4964-9B23-4E5B349F082D}" type="datetimeFigureOut">
+            <a:fld id="{D527F1CF-2CD3-47D9-ACD1-26110D7F87EC}" type="datetime1">
               <a:rPr lang="en-US" smtClean="0"/>
               <a:t>1/15/2025</a:t>
             </a:fld>
@@ -1580,7 +1612,7 @@
           <a:bodyPr/>
           <a:lstStyle/>
           <a:p>
-            <a:fld id="{9CB904D7-2B70-4964-9B23-4E5B349F082D}" type="datetimeFigureOut">
+            <a:fld id="{7D83D5F1-14BF-4D52-87E9-E94690991680}" type="datetime1">
               <a:rPr lang="en-US" smtClean="0"/>
               <a:t>1/15/2025</a:t>
             </a:fld>
@@ -1845,7 +1877,7 @@
           <a:bodyPr/>
           <a:lstStyle/>
           <a:p>
-            <a:fld id="{9CB904D7-2B70-4964-9B23-4E5B349F082D}" type="datetimeFigureOut">
+            <a:fld id="{94B98B34-C057-4AFE-970B-1688FCAD1F13}" type="datetime1">
               <a:rPr lang="en-US" smtClean="0"/>
               <a:t>1/15/2025</a:t>
             </a:fld>
@@ -2257,7 +2289,7 @@
           <a:bodyPr/>
           <a:lstStyle/>
           <a:p>
-            <a:fld id="{9CB904D7-2B70-4964-9B23-4E5B349F082D}" type="datetimeFigureOut">
+            <a:fld id="{A8140134-C312-4562-BCCD-35F3C4702B70}" type="datetime1">
               <a:rPr lang="en-US" smtClean="0"/>
               <a:t>1/15/2025</a:t>
             </a:fld>
@@ -2398,7 +2430,7 @@
           <a:bodyPr/>
           <a:lstStyle/>
           <a:p>
-            <a:fld id="{9CB904D7-2B70-4964-9B23-4E5B349F082D}" type="datetimeFigureOut">
+            <a:fld id="{571D97AB-ED66-4419-9ABC-F42590ACC6B6}" type="datetime1">
               <a:rPr lang="en-US" smtClean="0"/>
               <a:t>1/15/2025</a:t>
             </a:fld>
@@ -2511,7 +2543,7 @@
           <a:bodyPr/>
           <a:lstStyle/>
           <a:p>
-            <a:fld id="{9CB904D7-2B70-4964-9B23-4E5B349F082D}" type="datetimeFigureOut">
+            <a:fld id="{24CB42C0-7A16-4177-BB29-5CEABB36CFA9}" type="datetime1">
               <a:rPr lang="en-US" smtClean="0"/>
               <a:t>1/15/2025</a:t>
             </a:fld>
@@ -2752,7 +2784,7 @@
             </a:lvl1pPr>
           </a:lstStyle>
           <a:p>
-            <a:fld id="{9CB904D7-2B70-4964-9B23-4E5B349F082D}" type="datetimeFigureOut">
+            <a:fld id="{4C362FA5-1097-4538-BDA8-DC93CBA793F0}" type="datetime1">
               <a:rPr lang="en-US" smtClean="0"/>
               <a:t>1/15/2025</a:t>
             </a:fld>
@@ -2867,6 +2899,7 @@
     <p:sldLayoutId id="2147483654" r:id="rId6"/>
     <p:sldLayoutId id="2147483655" r:id="rId7"/>
   </p:sldLayoutIdLst>
+  <p:hf hdr="0" ftr="0" dt="0"/>
   <p:txStyles>
     <p:titleStyle>
       <a:lvl1pPr algn="l" defTabSz="914400" rtl="0" eaLnBrk="1" latinLnBrk="0" hangingPunct="1">
@@ -3482,6 +3515,35 @@
           </a:p>
         </p:txBody>
       </p:sp>
+      <p:sp>
+        <p:nvSpPr>
+          <p:cNvPr id="4" name="Slide Number Placeholder 3">
+            <a:extLst>
+              <a:ext uri="{FF2B5EF4-FFF2-40B4-BE49-F238E27FC236}">
+                <a16:creationId xmlns:a16="http://schemas.microsoft.com/office/drawing/2014/main" id="{E5E2A91B-C788-B0C3-455D-FC085E1352BE}"/>
+              </a:ext>
+            </a:extLst>
+          </p:cNvPr>
+          <p:cNvSpPr>
+            <a:spLocks noGrp="1"/>
+          </p:cNvSpPr>
+          <p:nvPr>
+            <p:ph type="sldNum" sz="quarter" idx="12"/>
+          </p:nvPr>
+        </p:nvSpPr>
+        <p:spPr/>
+        <p:txBody>
+          <a:bodyPr/>
+          <a:lstStyle/>
+          <a:p>
+            <a:fld id="{4B04BC67-DFA6-4863-89DB-B4077B3FACAF}" type="slidenum">
+              <a:rPr lang="en-US" smtClean="0"/>
+              <a:t>1</a:t>
+            </a:fld>
+            <a:endParaRPr lang="en-US"/>
+          </a:p>
+        </p:txBody>
+      </p:sp>
     </p:spTree>
     <p:extLst>
       <p:ext uri="{BB962C8B-B14F-4D97-AF65-F5344CB8AC3E}">
@@ -3692,6 +3754,35 @@
           </a:prstGeom>
         </p:spPr>
       </p:pic>
+      <p:sp>
+        <p:nvSpPr>
+          <p:cNvPr id="4" name="Slide Number Placeholder 3">
+            <a:extLst>
+              <a:ext uri="{FF2B5EF4-FFF2-40B4-BE49-F238E27FC236}">
+                <a16:creationId xmlns:a16="http://schemas.microsoft.com/office/drawing/2014/main" id="{F8415BD5-1E6B-C632-DF0A-3FC6E371D423}"/>
+              </a:ext>
+            </a:extLst>
+          </p:cNvPr>
+          <p:cNvSpPr>
+            <a:spLocks noGrp="1"/>
+          </p:cNvSpPr>
+          <p:nvPr>
+            <p:ph type="sldNum" sz="quarter" idx="12"/>
+          </p:nvPr>
+        </p:nvSpPr>
+        <p:spPr/>
+        <p:txBody>
+          <a:bodyPr/>
+          <a:lstStyle/>
+          <a:p>
+            <a:fld id="{4B04BC67-DFA6-4863-89DB-B4077B3FACAF}" type="slidenum">
+              <a:rPr lang="en-US" smtClean="0"/>
+              <a:t>10</a:t>
+            </a:fld>
+            <a:endParaRPr lang="en-US"/>
+          </a:p>
+        </p:txBody>
+      </p:sp>
     </p:spTree>
     <p:extLst>
       <p:ext uri="{BB962C8B-B14F-4D97-AF65-F5344CB8AC3E}">
@@ -3752,6 +3843,35 @@
           </a:prstGeom>
         </p:spPr>
       </p:pic>
+      <p:sp>
+        <p:nvSpPr>
+          <p:cNvPr id="2" name="Slide Number Placeholder 1">
+            <a:extLst>
+              <a:ext uri="{FF2B5EF4-FFF2-40B4-BE49-F238E27FC236}">
+                <a16:creationId xmlns:a16="http://schemas.microsoft.com/office/drawing/2014/main" id="{EC2CBD7E-9A22-EED4-E624-767891D3B8A5}"/>
+              </a:ext>
+            </a:extLst>
+          </p:cNvPr>
+          <p:cNvSpPr>
+            <a:spLocks noGrp="1"/>
+          </p:cNvSpPr>
+          <p:nvPr>
+            <p:ph type="sldNum" sz="quarter" idx="12"/>
+          </p:nvPr>
+        </p:nvSpPr>
+        <p:spPr/>
+        <p:txBody>
+          <a:bodyPr/>
+          <a:lstStyle/>
+          <a:p>
+            <a:fld id="{4B04BC67-DFA6-4863-89DB-B4077B3FACAF}" type="slidenum">
+              <a:rPr lang="en-US" smtClean="0"/>
+              <a:t>11</a:t>
+            </a:fld>
+            <a:endParaRPr lang="en-US"/>
+          </a:p>
+        </p:txBody>
+      </p:sp>
     </p:spTree>
     <p:extLst>
       <p:ext uri="{BB962C8B-B14F-4D97-AF65-F5344CB8AC3E}">
@@ -3812,6 +3932,35 @@
           </a:prstGeom>
         </p:spPr>
       </p:pic>
+      <p:sp>
+        <p:nvSpPr>
+          <p:cNvPr id="2" name="Slide Number Placeholder 1">
+            <a:extLst>
+              <a:ext uri="{FF2B5EF4-FFF2-40B4-BE49-F238E27FC236}">
+                <a16:creationId xmlns:a16="http://schemas.microsoft.com/office/drawing/2014/main" id="{51C2A924-2423-C6BA-232F-D60CC26B8E09}"/>
+              </a:ext>
+            </a:extLst>
+          </p:cNvPr>
+          <p:cNvSpPr>
+            <a:spLocks noGrp="1"/>
+          </p:cNvSpPr>
+          <p:nvPr>
+            <p:ph type="sldNum" sz="quarter" idx="12"/>
+          </p:nvPr>
+        </p:nvSpPr>
+        <p:spPr/>
+        <p:txBody>
+          <a:bodyPr/>
+          <a:lstStyle/>
+          <a:p>
+            <a:fld id="{4B04BC67-DFA6-4863-89DB-B4077B3FACAF}" type="slidenum">
+              <a:rPr lang="en-US" smtClean="0"/>
+              <a:t>12</a:t>
+            </a:fld>
+            <a:endParaRPr lang="en-US"/>
+          </a:p>
+        </p:txBody>
+      </p:sp>
     </p:spTree>
     <p:extLst>
       <p:ext uri="{BB962C8B-B14F-4D97-AF65-F5344CB8AC3E}">
@@ -3872,6 +4021,35 @@
           </a:prstGeom>
         </p:spPr>
       </p:pic>
+      <p:sp>
+        <p:nvSpPr>
+          <p:cNvPr id="2" name="Slide Number Placeholder 1">
+            <a:extLst>
+              <a:ext uri="{FF2B5EF4-FFF2-40B4-BE49-F238E27FC236}">
+                <a16:creationId xmlns:a16="http://schemas.microsoft.com/office/drawing/2014/main" id="{7CA1A4C9-F958-0749-E656-FA345E673264}"/>
+              </a:ext>
+            </a:extLst>
+          </p:cNvPr>
+          <p:cNvSpPr>
+            <a:spLocks noGrp="1"/>
+          </p:cNvSpPr>
+          <p:nvPr>
+            <p:ph type="sldNum" sz="quarter" idx="12"/>
+          </p:nvPr>
+        </p:nvSpPr>
+        <p:spPr/>
+        <p:txBody>
+          <a:bodyPr/>
+          <a:lstStyle/>
+          <a:p>
+            <a:fld id="{4B04BC67-DFA6-4863-89DB-B4077B3FACAF}" type="slidenum">
+              <a:rPr lang="en-US" smtClean="0"/>
+              <a:t>13</a:t>
+            </a:fld>
+            <a:endParaRPr lang="en-US"/>
+          </a:p>
+        </p:txBody>
+      </p:sp>
     </p:spTree>
     <p:extLst>
       <p:ext uri="{BB962C8B-B14F-4D97-AF65-F5344CB8AC3E}">
@@ -3932,6 +4110,35 @@
           </a:prstGeom>
         </p:spPr>
       </p:pic>
+      <p:sp>
+        <p:nvSpPr>
+          <p:cNvPr id="2" name="Slide Number Placeholder 1">
+            <a:extLst>
+              <a:ext uri="{FF2B5EF4-FFF2-40B4-BE49-F238E27FC236}">
+                <a16:creationId xmlns:a16="http://schemas.microsoft.com/office/drawing/2014/main" id="{A0F4C89C-5D41-F654-2E65-8A58AF23BD02}"/>
+              </a:ext>
+            </a:extLst>
+          </p:cNvPr>
+          <p:cNvSpPr>
+            <a:spLocks noGrp="1"/>
+          </p:cNvSpPr>
+          <p:nvPr>
+            <p:ph type="sldNum" sz="quarter" idx="12"/>
+          </p:nvPr>
+        </p:nvSpPr>
+        <p:spPr/>
+        <p:txBody>
+          <a:bodyPr/>
+          <a:lstStyle/>
+          <a:p>
+            <a:fld id="{4B04BC67-DFA6-4863-89DB-B4077B3FACAF}" type="slidenum">
+              <a:rPr lang="en-US" smtClean="0"/>
+              <a:t>14</a:t>
+            </a:fld>
+            <a:endParaRPr lang="en-US"/>
+          </a:p>
+        </p:txBody>
+      </p:sp>
     </p:spTree>
     <p:extLst>
       <p:ext uri="{BB962C8B-B14F-4D97-AF65-F5344CB8AC3E}">
@@ -3992,6 +4199,35 @@
           </a:prstGeom>
         </p:spPr>
       </p:pic>
+      <p:sp>
+        <p:nvSpPr>
+          <p:cNvPr id="2" name="Slide Number Placeholder 1">
+            <a:extLst>
+              <a:ext uri="{FF2B5EF4-FFF2-40B4-BE49-F238E27FC236}">
+                <a16:creationId xmlns:a16="http://schemas.microsoft.com/office/drawing/2014/main" id="{FC9E40D1-2B38-FD4C-B1C0-CA8E923B2443}"/>
+              </a:ext>
+            </a:extLst>
+          </p:cNvPr>
+          <p:cNvSpPr>
+            <a:spLocks noGrp="1"/>
+          </p:cNvSpPr>
+          <p:nvPr>
+            <p:ph type="sldNum" sz="quarter" idx="12"/>
+          </p:nvPr>
+        </p:nvSpPr>
+        <p:spPr/>
+        <p:txBody>
+          <a:bodyPr/>
+          <a:lstStyle/>
+          <a:p>
+            <a:fld id="{4B04BC67-DFA6-4863-89DB-B4077B3FACAF}" type="slidenum">
+              <a:rPr lang="en-US" smtClean="0"/>
+              <a:t>15</a:t>
+            </a:fld>
+            <a:endParaRPr lang="en-US"/>
+          </a:p>
+        </p:txBody>
+      </p:sp>
     </p:spTree>
     <p:extLst>
       <p:ext uri="{BB962C8B-B14F-4D97-AF65-F5344CB8AC3E}">
@@ -4052,6 +4288,35 @@
           </a:prstGeom>
         </p:spPr>
       </p:pic>
+      <p:sp>
+        <p:nvSpPr>
+          <p:cNvPr id="2" name="Slide Number Placeholder 1">
+            <a:extLst>
+              <a:ext uri="{FF2B5EF4-FFF2-40B4-BE49-F238E27FC236}">
+                <a16:creationId xmlns:a16="http://schemas.microsoft.com/office/drawing/2014/main" id="{57D694B0-46D2-2E64-857B-3990750D0702}"/>
+              </a:ext>
+            </a:extLst>
+          </p:cNvPr>
+          <p:cNvSpPr>
+            <a:spLocks noGrp="1"/>
+          </p:cNvSpPr>
+          <p:nvPr>
+            <p:ph type="sldNum" sz="quarter" idx="12"/>
+          </p:nvPr>
+        </p:nvSpPr>
+        <p:spPr/>
+        <p:txBody>
+          <a:bodyPr/>
+          <a:lstStyle/>
+          <a:p>
+            <a:fld id="{4B04BC67-DFA6-4863-89DB-B4077B3FACAF}" type="slidenum">
+              <a:rPr lang="en-US" smtClean="0"/>
+              <a:t>16</a:t>
+            </a:fld>
+            <a:endParaRPr lang="en-US"/>
+          </a:p>
+        </p:txBody>
+      </p:sp>
     </p:spTree>
     <p:extLst>
       <p:ext uri="{BB962C8B-B14F-4D97-AF65-F5344CB8AC3E}">
@@ -4118,6 +4383,35 @@
           </a:prstGeom>
         </p:spPr>
       </p:pic>
+      <p:sp>
+        <p:nvSpPr>
+          <p:cNvPr id="2" name="Slide Number Placeholder 1">
+            <a:extLst>
+              <a:ext uri="{FF2B5EF4-FFF2-40B4-BE49-F238E27FC236}">
+                <a16:creationId xmlns:a16="http://schemas.microsoft.com/office/drawing/2014/main" id="{75D1F859-EBA7-6ED1-5F75-51E70B0A41D2}"/>
+              </a:ext>
+            </a:extLst>
+          </p:cNvPr>
+          <p:cNvSpPr>
+            <a:spLocks noGrp="1"/>
+          </p:cNvSpPr>
+          <p:nvPr>
+            <p:ph type="sldNum" sz="quarter" idx="12"/>
+          </p:nvPr>
+        </p:nvSpPr>
+        <p:spPr/>
+        <p:txBody>
+          <a:bodyPr/>
+          <a:lstStyle/>
+          <a:p>
+            <a:fld id="{4B04BC67-DFA6-4863-89DB-B4077B3FACAF}" type="slidenum">
+              <a:rPr lang="en-US" smtClean="0"/>
+              <a:t>17</a:t>
+            </a:fld>
+            <a:endParaRPr lang="en-US"/>
+          </a:p>
+        </p:txBody>
+      </p:sp>
     </p:spTree>
     <p:extLst>
       <p:ext uri="{BB962C8B-B14F-4D97-AF65-F5344CB8AC3E}">
@@ -4244,6 +4538,71 @@
           </a:p>
           <a:p>
             <a:endParaRPr lang="en-US" dirty="0"/>
+          </a:p>
+        </p:txBody>
+      </p:sp>
+      <p:pic>
+        <p:nvPicPr>
+          <p:cNvPr id="5" name="Picture 4" descr="A graph of a graph&#10;&#10;Description automatically generated with medium confidence">
+            <a:extLst>
+              <a:ext uri="{FF2B5EF4-FFF2-40B4-BE49-F238E27FC236}">
+                <a16:creationId xmlns:a16="http://schemas.microsoft.com/office/drawing/2014/main" id="{AFF061BE-38F2-E119-C541-2EEB5809C688}"/>
+              </a:ext>
+            </a:extLst>
+          </p:cNvPr>
+          <p:cNvPicPr>
+            <a:picLocks noChangeAspect="1"/>
+          </p:cNvPicPr>
+          <p:nvPr/>
+        </p:nvPicPr>
+        <p:blipFill>
+          <a:blip r:embed="rId2">
+            <a:extLst>
+              <a:ext uri="{28A0092B-C50C-407E-A947-70E740481C1C}">
+                <a14:useLocalDpi xmlns:a14="http://schemas.microsoft.com/office/drawing/2010/main" val="0"/>
+              </a:ext>
+            </a:extLst>
+          </a:blip>
+          <a:stretch>
+            <a:fillRect/>
+          </a:stretch>
+        </p:blipFill>
+        <p:spPr>
+          <a:xfrm>
+            <a:off x="0" y="4503876"/>
+            <a:ext cx="12192000" cy="2354124"/>
+          </a:xfrm>
+          <a:prstGeom prst="rect">
+            <a:avLst/>
+          </a:prstGeom>
+        </p:spPr>
+      </p:pic>
+      <p:sp>
+        <p:nvSpPr>
+          <p:cNvPr id="7" name="Slide Number Placeholder 6">
+            <a:extLst>
+              <a:ext uri="{FF2B5EF4-FFF2-40B4-BE49-F238E27FC236}">
+                <a16:creationId xmlns:a16="http://schemas.microsoft.com/office/drawing/2014/main" id="{E4EAC7AC-9CB5-C7CD-9AC7-FDB42950E41F}"/>
+              </a:ext>
+            </a:extLst>
+          </p:cNvPr>
+          <p:cNvSpPr>
+            <a:spLocks noGrp="1"/>
+          </p:cNvSpPr>
+          <p:nvPr>
+            <p:ph type="sldNum" sz="quarter" idx="12"/>
+          </p:nvPr>
+        </p:nvSpPr>
+        <p:spPr/>
+        <p:txBody>
+          <a:bodyPr/>
+          <a:lstStyle/>
+          <a:p>
+            <a:fld id="{4B04BC67-DFA6-4863-89DB-B4077B3FACAF}" type="slidenum">
+              <a:rPr lang="en-US" smtClean="0"/>
+              <a:t>2</a:t>
+            </a:fld>
+            <a:endParaRPr lang="en-US"/>
           </a:p>
         </p:txBody>
       </p:sp>
@@ -4344,6 +4703,35 @@
           </a:p>
         </p:txBody>
       </p:sp>
+      <p:sp>
+        <p:nvSpPr>
+          <p:cNvPr id="2" name="Slide Number Placeholder 1">
+            <a:extLst>
+              <a:ext uri="{FF2B5EF4-FFF2-40B4-BE49-F238E27FC236}">
+                <a16:creationId xmlns:a16="http://schemas.microsoft.com/office/drawing/2014/main" id="{3428346F-CC03-9CA3-A16E-240AA14F1D81}"/>
+              </a:ext>
+            </a:extLst>
+          </p:cNvPr>
+          <p:cNvSpPr>
+            <a:spLocks noGrp="1"/>
+          </p:cNvSpPr>
+          <p:nvPr>
+            <p:ph type="sldNum" sz="quarter" idx="12"/>
+          </p:nvPr>
+        </p:nvSpPr>
+        <p:spPr/>
+        <p:txBody>
+          <a:bodyPr/>
+          <a:lstStyle/>
+          <a:p>
+            <a:fld id="{4B04BC67-DFA6-4863-89DB-B4077B3FACAF}" type="slidenum">
+              <a:rPr lang="en-US" smtClean="0"/>
+              <a:t>3</a:t>
+            </a:fld>
+            <a:endParaRPr lang="en-US"/>
+          </a:p>
+        </p:txBody>
+      </p:sp>
     </p:spTree>
     <p:extLst>
       <p:ext uri="{BB962C8B-B14F-4D97-AF65-F5344CB8AC3E}">
@@ -4404,6 +4792,35 @@
           </a:prstGeom>
         </p:spPr>
       </p:pic>
+      <p:sp>
+        <p:nvSpPr>
+          <p:cNvPr id="2" name="Slide Number Placeholder 1">
+            <a:extLst>
+              <a:ext uri="{FF2B5EF4-FFF2-40B4-BE49-F238E27FC236}">
+                <a16:creationId xmlns:a16="http://schemas.microsoft.com/office/drawing/2014/main" id="{C63696E0-EC7B-9092-CD09-F113F18CA506}"/>
+              </a:ext>
+            </a:extLst>
+          </p:cNvPr>
+          <p:cNvSpPr>
+            <a:spLocks noGrp="1"/>
+          </p:cNvSpPr>
+          <p:nvPr>
+            <p:ph type="sldNum" sz="quarter" idx="12"/>
+          </p:nvPr>
+        </p:nvSpPr>
+        <p:spPr/>
+        <p:txBody>
+          <a:bodyPr/>
+          <a:lstStyle/>
+          <a:p>
+            <a:fld id="{4B04BC67-DFA6-4863-89DB-B4077B3FACAF}" type="slidenum">
+              <a:rPr lang="en-US" smtClean="0"/>
+              <a:t>4</a:t>
+            </a:fld>
+            <a:endParaRPr lang="en-US"/>
+          </a:p>
+        </p:txBody>
+      </p:sp>
     </p:spTree>
     <p:extLst>
       <p:ext uri="{BB962C8B-B14F-4D97-AF65-F5344CB8AC3E}">
@@ -4464,6 +4881,35 @@
           </a:prstGeom>
         </p:spPr>
       </p:pic>
+      <p:sp>
+        <p:nvSpPr>
+          <p:cNvPr id="2" name="Slide Number Placeholder 1">
+            <a:extLst>
+              <a:ext uri="{FF2B5EF4-FFF2-40B4-BE49-F238E27FC236}">
+                <a16:creationId xmlns:a16="http://schemas.microsoft.com/office/drawing/2014/main" id="{AE34B14E-434D-8A39-DEF8-324941D2A387}"/>
+              </a:ext>
+            </a:extLst>
+          </p:cNvPr>
+          <p:cNvSpPr>
+            <a:spLocks noGrp="1"/>
+          </p:cNvSpPr>
+          <p:nvPr>
+            <p:ph type="sldNum" sz="quarter" idx="12"/>
+          </p:nvPr>
+        </p:nvSpPr>
+        <p:spPr/>
+        <p:txBody>
+          <a:bodyPr/>
+          <a:lstStyle/>
+          <a:p>
+            <a:fld id="{4B04BC67-DFA6-4863-89DB-B4077B3FACAF}" type="slidenum">
+              <a:rPr lang="en-US" smtClean="0"/>
+              <a:t>5</a:t>
+            </a:fld>
+            <a:endParaRPr lang="en-US"/>
+          </a:p>
+        </p:txBody>
+      </p:sp>
     </p:spTree>
     <p:extLst>
       <p:ext uri="{BB962C8B-B14F-4D97-AF65-F5344CB8AC3E}">
@@ -4554,6 +5000,35 @@
           </a:prstGeom>
         </p:spPr>
       </p:pic>
+      <p:sp>
+        <p:nvSpPr>
+          <p:cNvPr id="2" name="Slide Number Placeholder 1">
+            <a:extLst>
+              <a:ext uri="{FF2B5EF4-FFF2-40B4-BE49-F238E27FC236}">
+                <a16:creationId xmlns:a16="http://schemas.microsoft.com/office/drawing/2014/main" id="{6663053C-7903-D3AC-02E8-F5440D1E7C61}"/>
+              </a:ext>
+            </a:extLst>
+          </p:cNvPr>
+          <p:cNvSpPr>
+            <a:spLocks noGrp="1"/>
+          </p:cNvSpPr>
+          <p:nvPr>
+            <p:ph type="sldNum" sz="quarter" idx="12"/>
+          </p:nvPr>
+        </p:nvSpPr>
+        <p:spPr/>
+        <p:txBody>
+          <a:bodyPr/>
+          <a:lstStyle/>
+          <a:p>
+            <a:fld id="{4B04BC67-DFA6-4863-89DB-B4077B3FACAF}" type="slidenum">
+              <a:rPr lang="en-US" smtClean="0"/>
+              <a:t>6</a:t>
+            </a:fld>
+            <a:endParaRPr lang="en-US"/>
+          </a:p>
+        </p:txBody>
+      </p:sp>
     </p:spTree>
     <p:extLst>
       <p:ext uri="{BB962C8B-B14F-4D97-AF65-F5344CB8AC3E}">
@@ -4702,6 +5177,35 @@
           </a:prstGeom>
         </p:spPr>
       </p:pic>
+      <p:sp>
+        <p:nvSpPr>
+          <p:cNvPr id="3" name="Slide Number Placeholder 2">
+            <a:extLst>
+              <a:ext uri="{FF2B5EF4-FFF2-40B4-BE49-F238E27FC236}">
+                <a16:creationId xmlns:a16="http://schemas.microsoft.com/office/drawing/2014/main" id="{7755152E-A7A3-1CDA-0987-C9259FE2CA25}"/>
+              </a:ext>
+            </a:extLst>
+          </p:cNvPr>
+          <p:cNvSpPr>
+            <a:spLocks noGrp="1"/>
+          </p:cNvSpPr>
+          <p:nvPr>
+            <p:ph type="sldNum" sz="quarter" idx="12"/>
+          </p:nvPr>
+        </p:nvSpPr>
+        <p:spPr/>
+        <p:txBody>
+          <a:bodyPr/>
+          <a:lstStyle/>
+          <a:p>
+            <a:fld id="{4B04BC67-DFA6-4863-89DB-B4077B3FACAF}" type="slidenum">
+              <a:rPr lang="en-US" smtClean="0"/>
+              <a:t>7</a:t>
+            </a:fld>
+            <a:endParaRPr lang="en-US"/>
+          </a:p>
+        </p:txBody>
+      </p:sp>
     </p:spTree>
     <p:extLst>
       <p:ext uri="{BB962C8B-B14F-4D97-AF65-F5344CB8AC3E}">
@@ -4762,6 +5266,35 @@
           </a:prstGeom>
         </p:spPr>
       </p:pic>
+      <p:sp>
+        <p:nvSpPr>
+          <p:cNvPr id="2" name="Slide Number Placeholder 1">
+            <a:extLst>
+              <a:ext uri="{FF2B5EF4-FFF2-40B4-BE49-F238E27FC236}">
+                <a16:creationId xmlns:a16="http://schemas.microsoft.com/office/drawing/2014/main" id="{ECFDE223-E39C-B732-0CB6-82A4C9BB9DC9}"/>
+              </a:ext>
+            </a:extLst>
+          </p:cNvPr>
+          <p:cNvSpPr>
+            <a:spLocks noGrp="1"/>
+          </p:cNvSpPr>
+          <p:nvPr>
+            <p:ph type="sldNum" sz="quarter" idx="12"/>
+          </p:nvPr>
+        </p:nvSpPr>
+        <p:spPr/>
+        <p:txBody>
+          <a:bodyPr/>
+          <a:lstStyle/>
+          <a:p>
+            <a:fld id="{4B04BC67-DFA6-4863-89DB-B4077B3FACAF}" type="slidenum">
+              <a:rPr lang="en-US" smtClean="0"/>
+              <a:t>8</a:t>
+            </a:fld>
+            <a:endParaRPr lang="en-US"/>
+          </a:p>
+        </p:txBody>
+      </p:sp>
     </p:spTree>
     <p:extLst>
       <p:ext uri="{BB962C8B-B14F-4D97-AF65-F5344CB8AC3E}">
@@ -4822,6 +5355,35 @@
           </a:prstGeom>
         </p:spPr>
       </p:pic>
+      <p:sp>
+        <p:nvSpPr>
+          <p:cNvPr id="2" name="Slide Number Placeholder 1">
+            <a:extLst>
+              <a:ext uri="{FF2B5EF4-FFF2-40B4-BE49-F238E27FC236}">
+                <a16:creationId xmlns:a16="http://schemas.microsoft.com/office/drawing/2014/main" id="{0E1512DB-D1FC-0D69-6294-231F034E8890}"/>
+              </a:ext>
+            </a:extLst>
+          </p:cNvPr>
+          <p:cNvSpPr>
+            <a:spLocks noGrp="1"/>
+          </p:cNvSpPr>
+          <p:nvPr>
+            <p:ph type="sldNum" sz="quarter" idx="12"/>
+          </p:nvPr>
+        </p:nvSpPr>
+        <p:spPr/>
+        <p:txBody>
+          <a:bodyPr/>
+          <a:lstStyle/>
+          <a:p>
+            <a:fld id="{4B04BC67-DFA6-4863-89DB-B4077B3FACAF}" type="slidenum">
+              <a:rPr lang="en-US" smtClean="0"/>
+              <a:t>9</a:t>
+            </a:fld>
+            <a:endParaRPr lang="en-US"/>
+          </a:p>
+        </p:txBody>
+      </p:sp>
     </p:spTree>
     <p:extLst>
       <p:ext uri="{BB962C8B-B14F-4D97-AF65-F5344CB8AC3E}">
